--- a/Java Basics/Java Bascis 1.pptx
+++ b/Java Basics/Java Bascis 1.pptx
@@ -5,7 +5,7 @@
     <p:sldMasterId id="2147483648" r:id="rId1"/>
   </p:sldMasterIdLst>
   <p:notesMasterIdLst>
-    <p:notesMasterId r:id="rId17"/>
+    <p:notesMasterId r:id="rId16"/>
   </p:notesMasterIdLst>
   <p:sldIdLst>
     <p:sldId id="256" r:id="rId2"/>
@@ -22,7 +22,6 @@
     <p:sldId id="268" r:id="rId13"/>
     <p:sldId id="269" r:id="rId14"/>
     <p:sldId id="270" r:id="rId15"/>
-    <p:sldId id="261" r:id="rId16"/>
   </p:sldIdLst>
   <p:sldSz cx="12192000" cy="6858000"/>
   <p:notesSz cx="6858000" cy="9144000"/>
@@ -211,7 +210,7 @@
           <a:p>
             <a:fld id="{2C3BBC08-10A5-1040-B28C-E1D576778888}" type="datetimeFigureOut">
               <a:rPr kumimoji="1" lang="zh-CN" altLang="en-US" smtClean="0"/>
-              <a:t>2023/2/9</a:t>
+              <a:t>2023/2/10</a:t>
             </a:fld>
             <a:endParaRPr kumimoji="1" lang="zh-CN" altLang="en-US"/>
           </a:p>
@@ -1717,7 +1716,7 @@
           <a:p>
             <a:fld id="{B784AAA6-81B0-C247-B86C-915E5F164E56}" type="datetimeFigureOut">
               <a:rPr kumimoji="1" lang="zh-CN" altLang="en-US" smtClean="0"/>
-              <a:t>2023/2/9</a:t>
+              <a:t>2023/2/10</a:t>
             </a:fld>
             <a:endParaRPr kumimoji="1" lang="zh-CN" altLang="en-US"/>
           </a:p>
@@ -1915,7 +1914,7 @@
           <a:p>
             <a:fld id="{B784AAA6-81B0-C247-B86C-915E5F164E56}" type="datetimeFigureOut">
               <a:rPr kumimoji="1" lang="zh-CN" altLang="en-US" smtClean="0"/>
-              <a:t>2023/2/9</a:t>
+              <a:t>2023/2/10</a:t>
             </a:fld>
             <a:endParaRPr kumimoji="1" lang="zh-CN" altLang="en-US"/>
           </a:p>
@@ -2123,7 +2122,7 @@
           <a:p>
             <a:fld id="{B784AAA6-81B0-C247-B86C-915E5F164E56}" type="datetimeFigureOut">
               <a:rPr kumimoji="1" lang="zh-CN" altLang="en-US" smtClean="0"/>
-              <a:t>2023/2/9</a:t>
+              <a:t>2023/2/10</a:t>
             </a:fld>
             <a:endParaRPr kumimoji="1" lang="zh-CN" altLang="en-US"/>
           </a:p>
@@ -2321,7 +2320,7 @@
           <a:p>
             <a:fld id="{B784AAA6-81B0-C247-B86C-915E5F164E56}" type="datetimeFigureOut">
               <a:rPr kumimoji="1" lang="zh-CN" altLang="en-US" smtClean="0"/>
-              <a:t>2023/2/9</a:t>
+              <a:t>2023/2/10</a:t>
             </a:fld>
             <a:endParaRPr kumimoji="1" lang="zh-CN" altLang="en-US"/>
           </a:p>
@@ -2596,7 +2595,7 @@
           <a:p>
             <a:fld id="{B784AAA6-81B0-C247-B86C-915E5F164E56}" type="datetimeFigureOut">
               <a:rPr kumimoji="1" lang="zh-CN" altLang="en-US" smtClean="0"/>
-              <a:t>2023/2/9</a:t>
+              <a:t>2023/2/10</a:t>
             </a:fld>
             <a:endParaRPr kumimoji="1" lang="zh-CN" altLang="en-US"/>
           </a:p>
@@ -2861,7 +2860,7 @@
           <a:p>
             <a:fld id="{B784AAA6-81B0-C247-B86C-915E5F164E56}" type="datetimeFigureOut">
               <a:rPr kumimoji="1" lang="zh-CN" altLang="en-US" smtClean="0"/>
-              <a:t>2023/2/9</a:t>
+              <a:t>2023/2/10</a:t>
             </a:fld>
             <a:endParaRPr kumimoji="1" lang="zh-CN" altLang="en-US"/>
           </a:p>
@@ -3273,7 +3272,7 @@
           <a:p>
             <a:fld id="{B784AAA6-81B0-C247-B86C-915E5F164E56}" type="datetimeFigureOut">
               <a:rPr kumimoji="1" lang="zh-CN" altLang="en-US" smtClean="0"/>
-              <a:t>2023/2/9</a:t>
+              <a:t>2023/2/10</a:t>
             </a:fld>
             <a:endParaRPr kumimoji="1" lang="zh-CN" altLang="en-US"/>
           </a:p>
@@ -3414,7 +3413,7 @@
           <a:p>
             <a:fld id="{B784AAA6-81B0-C247-B86C-915E5F164E56}" type="datetimeFigureOut">
               <a:rPr kumimoji="1" lang="zh-CN" altLang="en-US" smtClean="0"/>
-              <a:t>2023/2/9</a:t>
+              <a:t>2023/2/10</a:t>
             </a:fld>
             <a:endParaRPr kumimoji="1" lang="zh-CN" altLang="en-US"/>
           </a:p>
@@ -3527,7 +3526,7 @@
           <a:p>
             <a:fld id="{B784AAA6-81B0-C247-B86C-915E5F164E56}" type="datetimeFigureOut">
               <a:rPr kumimoji="1" lang="zh-CN" altLang="en-US" smtClean="0"/>
-              <a:t>2023/2/9</a:t>
+              <a:t>2023/2/10</a:t>
             </a:fld>
             <a:endParaRPr kumimoji="1" lang="zh-CN" altLang="en-US"/>
           </a:p>
@@ -3838,7 +3837,7 @@
           <a:p>
             <a:fld id="{B784AAA6-81B0-C247-B86C-915E5F164E56}" type="datetimeFigureOut">
               <a:rPr kumimoji="1" lang="zh-CN" altLang="en-US" smtClean="0"/>
-              <a:t>2023/2/9</a:t>
+              <a:t>2023/2/10</a:t>
             </a:fld>
             <a:endParaRPr kumimoji="1" lang="zh-CN" altLang="en-US"/>
           </a:p>
@@ -4126,7 +4125,7 @@
           <a:p>
             <a:fld id="{B784AAA6-81B0-C247-B86C-915E5F164E56}" type="datetimeFigureOut">
               <a:rPr kumimoji="1" lang="zh-CN" altLang="en-US" smtClean="0"/>
-              <a:t>2023/2/9</a:t>
+              <a:t>2023/2/10</a:t>
             </a:fld>
             <a:endParaRPr kumimoji="1" lang="zh-CN" altLang="en-US"/>
           </a:p>
@@ -4367,7 +4366,7 @@
           <a:p>
             <a:fld id="{B784AAA6-81B0-C247-B86C-915E5F164E56}" type="datetimeFigureOut">
               <a:rPr kumimoji="1" lang="zh-CN" altLang="en-US" smtClean="0"/>
-              <a:t>2023/2/9</a:t>
+              <a:t>2023/2/10</a:t>
             </a:fld>
             <a:endParaRPr kumimoji="1" lang="zh-CN" altLang="en-US"/>
           </a:p>
@@ -5401,7 +5400,7 @@
                 <a:latin typeface="Arial" panose="020B0604020202020204" pitchFamily="34" charset="0"/>
                 <a:cs typeface="Arial" panose="020B0604020202020204" pitchFamily="34" charset="0"/>
               </a:rPr>
-              <a:t>12. In Java, if we do not specify any value for local variable, then what will be the default value for local variables?</a:t>
+              <a:t>12. What’s the difference between char and byte types?</a:t>
             </a:r>
             <a:endParaRPr kumimoji="1" lang="zh-CN" altLang="en-US" sz="3200" dirty="0">
               <a:latin typeface="Arial" panose="020B0604020202020204" pitchFamily="34" charset="0"/>
@@ -5508,86 +5507,6 @@
     <p:extLst>
       <p:ext uri="{BB962C8B-B14F-4D97-AF65-F5344CB8AC3E}">
         <p14:creationId xmlns:p14="http://schemas.microsoft.com/office/powerpoint/2010/main" val="673906353"/>
-      </p:ext>
-    </p:extLst>
-  </p:cSld>
-  <p:clrMapOvr>
-    <a:masterClrMapping/>
-  </p:clrMapOvr>
-</p:sld>
-</file>
-
-<file path=ppt/slides/slide15.xml><?xml version="1.0" encoding="utf-8"?>
-<p:sld xmlns:a="http://schemas.openxmlformats.org/drawingml/2006/main" xmlns:r="http://schemas.openxmlformats.org/officeDocument/2006/relationships" xmlns:p="http://schemas.openxmlformats.org/presentationml/2006/main">
-  <p:cSld>
-    <p:spTree>
-      <p:nvGrpSpPr>
-        <p:cNvPr id="1" name=""/>
-        <p:cNvGrpSpPr/>
-        <p:nvPr/>
-      </p:nvGrpSpPr>
-      <p:grpSpPr>
-        <a:xfrm>
-          <a:off x="0" y="0"/>
-          <a:ext cx="0" cy="0"/>
-          <a:chOff x="0" y="0"/>
-          <a:chExt cx="0" cy="0"/>
-        </a:xfrm>
-      </p:grpSpPr>
-      <p:sp>
-        <p:nvSpPr>
-          <p:cNvPr id="2" name="标题 1">
-            <a:extLst>
-              <a:ext uri="{FF2B5EF4-FFF2-40B4-BE49-F238E27FC236}">
-                <a16:creationId xmlns:a16="http://schemas.microsoft.com/office/drawing/2014/main" id="{EEAB98A7-2714-9445-80C5-F57D32A9542D}"/>
-              </a:ext>
-            </a:extLst>
-          </p:cNvPr>
-          <p:cNvSpPr>
-            <a:spLocks noGrp="1"/>
-          </p:cNvSpPr>
-          <p:nvPr>
-            <p:ph type="title"/>
-          </p:nvPr>
-        </p:nvSpPr>
-        <p:spPr/>
-        <p:txBody>
-          <a:bodyPr/>
-          <a:lstStyle/>
-          <a:p>
-            <a:endParaRPr kumimoji="1" lang="zh-CN" altLang="en-US" dirty="0"/>
-          </a:p>
-        </p:txBody>
-      </p:sp>
-      <p:sp>
-        <p:nvSpPr>
-          <p:cNvPr id="3" name="内容占位符 2">
-            <a:extLst>
-              <a:ext uri="{FF2B5EF4-FFF2-40B4-BE49-F238E27FC236}">
-                <a16:creationId xmlns:a16="http://schemas.microsoft.com/office/drawing/2014/main" id="{5F355FE7-FE7C-1C44-B31E-53BD6991EAB3}"/>
-              </a:ext>
-            </a:extLst>
-          </p:cNvPr>
-          <p:cNvSpPr>
-            <a:spLocks noGrp="1"/>
-          </p:cNvSpPr>
-          <p:nvPr>
-            <p:ph idx="1"/>
-          </p:nvPr>
-        </p:nvSpPr>
-        <p:spPr/>
-        <p:txBody>
-          <a:bodyPr/>
-          <a:lstStyle/>
-          <a:p>
-            <a:endParaRPr kumimoji="1" lang="zh-CN" altLang="en-US"/>
-          </a:p>
-        </p:txBody>
-      </p:sp>
-    </p:spTree>
-    <p:extLst>
-      <p:ext uri="{BB962C8B-B14F-4D97-AF65-F5344CB8AC3E}">
-        <p14:creationId xmlns:p14="http://schemas.microsoft.com/office/powerpoint/2010/main" val="1081752924"/>
       </p:ext>
     </p:extLst>
   </p:cSld>
@@ -6722,7 +6641,7 @@
                 <a:latin typeface="Arial" panose="020B0604020202020204" pitchFamily="34" charset="0"/>
                 <a:cs typeface="Arial" panose="020B0604020202020204" pitchFamily="34" charset="0"/>
               </a:rPr>
-              <a:t>5. What are the main differences between Java platforms and </a:t>
+              <a:t>5. What are the main differences between Java platforms and other platforms </a:t>
             </a:r>
             <a:endParaRPr kumimoji="1" lang="zh-CN" altLang="en-US" sz="3200" dirty="0">
               <a:latin typeface="Arial" panose="020B0604020202020204" pitchFamily="34" charset="0"/>
